--- a/slides/8-Declara��es_ControleAcesso.pptx
+++ b/slides/8-Declara��es_ControleAcesso.pptx
@@ -44,10 +44,10 @@
     <p:sldId id="317" r:id="rId35"/>
     <p:sldId id="318" r:id="rId36"/>
     <p:sldId id="319" r:id="rId37"/>
-    <p:sldId id="320" r:id="rId38"/>
-    <p:sldId id="321" r:id="rId39"/>
-    <p:sldId id="322" r:id="rId40"/>
-    <p:sldId id="323" r:id="rId41"/>
+    <p:sldId id="321" r:id="rId38"/>
+    <p:sldId id="322" r:id="rId39"/>
+    <p:sldId id="323" r:id="rId40"/>
+    <p:sldId id="320" r:id="rId41"/>
     <p:sldId id="324" r:id="rId42"/>
     <p:sldId id="326" r:id="rId43"/>
     <p:sldId id="331" r:id="rId44"/>
@@ -267,7 +267,7 @@
             <a:fld id="{3CDD0DE3-45DB-4C54-87B2-6479F59A40E2}" type="datetimeFigureOut">
               <a:rPr lang="pt-BR" smtClean="0"/>
               <a:pPr/>
-              <a:t>20/01/2012</a:t>
+              <a:t>11/02/2012</a:t>
             </a:fld>
             <a:endParaRPr lang="pt-BR"/>
           </a:p>
@@ -6486,7 +6486,7 @@
           </a:bodyPr>
           <a:lstStyle/>
           <a:p>
-            <a:endParaRPr lang="pt-BR"/>
+            <a:endParaRPr lang="pt-BR" dirty="0"/>
           </a:p>
         </p:txBody>
       </p:sp>
@@ -6877,7 +6877,7 @@
             <a:fld id="{766E0936-2EAE-45ED-BF76-21D747438BFA}" type="datetimeFigureOut">
               <a:rPr lang="pt-BR" smtClean="0"/>
               <a:pPr/>
-              <a:t>20/01/2012</a:t>
+              <a:t>11/02/2012</a:t>
             </a:fld>
             <a:endParaRPr lang="pt-BR"/>
           </a:p>
@@ -7101,7 +7101,7 @@
             <a:fld id="{766E0936-2EAE-45ED-BF76-21D747438BFA}" type="datetimeFigureOut">
               <a:rPr lang="pt-BR" smtClean="0"/>
               <a:pPr/>
-              <a:t>20/01/2012</a:t>
+              <a:t>11/02/2012</a:t>
             </a:fld>
             <a:endParaRPr lang="pt-BR"/>
           </a:p>
@@ -7335,7 +7335,7 @@
             <a:fld id="{766E0936-2EAE-45ED-BF76-21D747438BFA}" type="datetimeFigureOut">
               <a:rPr lang="pt-BR" smtClean="0"/>
               <a:pPr/>
-              <a:t>20/01/2012</a:t>
+              <a:t>11/02/2012</a:t>
             </a:fld>
             <a:endParaRPr lang="pt-BR"/>
           </a:p>
@@ -7678,7 +7678,7 @@
             <a:fld id="{766E0936-2EAE-45ED-BF76-21D747438BFA}" type="datetimeFigureOut">
               <a:rPr lang="pt-BR" smtClean="0"/>
               <a:pPr/>
-              <a:t>20/01/2012</a:t>
+              <a:t>11/02/2012</a:t>
             </a:fld>
             <a:endParaRPr lang="pt-BR"/>
           </a:p>
@@ -7936,7 +7936,7 @@
             <a:fld id="{766E0936-2EAE-45ED-BF76-21D747438BFA}" type="datetimeFigureOut">
               <a:rPr lang="pt-BR" smtClean="0"/>
               <a:pPr/>
-              <a:t>20/01/2012</a:t>
+              <a:t>11/02/2012</a:t>
             </a:fld>
             <a:endParaRPr lang="pt-BR"/>
           </a:p>
@@ -8282,7 +8282,7 @@
             <a:fld id="{766E0936-2EAE-45ED-BF76-21D747438BFA}" type="datetimeFigureOut">
               <a:rPr lang="pt-BR" smtClean="0"/>
               <a:pPr/>
-              <a:t>20/01/2012</a:t>
+              <a:t>11/02/2012</a:t>
             </a:fld>
             <a:endParaRPr lang="pt-BR"/>
           </a:p>
@@ -8766,7 +8766,7 @@
             <a:fld id="{766E0936-2EAE-45ED-BF76-21D747438BFA}" type="datetimeFigureOut">
               <a:rPr lang="pt-BR" smtClean="0"/>
               <a:pPr/>
-              <a:t>20/01/2012</a:t>
+              <a:t>11/02/2012</a:t>
             </a:fld>
             <a:endParaRPr lang="pt-BR"/>
           </a:p>
@@ -8902,7 +8902,7 @@
             <a:fld id="{766E0936-2EAE-45ED-BF76-21D747438BFA}" type="datetimeFigureOut">
               <a:rPr lang="pt-BR" smtClean="0"/>
               <a:pPr/>
-              <a:t>20/01/2012</a:t>
+              <a:t>11/02/2012</a:t>
             </a:fld>
             <a:endParaRPr lang="pt-BR"/>
           </a:p>
@@ -9007,7 +9007,7 @@
             <a:fld id="{766E0936-2EAE-45ED-BF76-21D747438BFA}" type="datetimeFigureOut">
               <a:rPr lang="pt-BR" smtClean="0"/>
               <a:pPr/>
-              <a:t>20/01/2012</a:t>
+              <a:t>11/02/2012</a:t>
             </a:fld>
             <a:endParaRPr lang="pt-BR"/>
           </a:p>
@@ -9322,7 +9322,7 @@
             <a:fld id="{766E0936-2EAE-45ED-BF76-21D747438BFA}" type="datetimeFigureOut">
               <a:rPr lang="pt-BR" smtClean="0"/>
               <a:pPr/>
-              <a:t>20/01/2012</a:t>
+              <a:t>11/02/2012</a:t>
             </a:fld>
             <a:endParaRPr lang="pt-BR"/>
           </a:p>
@@ -9597,7 +9597,7 @@
             <a:fld id="{766E0936-2EAE-45ED-BF76-21D747438BFA}" type="datetimeFigureOut">
               <a:rPr lang="pt-BR" smtClean="0"/>
               <a:pPr/>
-              <a:t>20/01/2012</a:t>
+              <a:t>11/02/2012</a:t>
             </a:fld>
             <a:endParaRPr lang="pt-BR"/>
           </a:p>
@@ -9813,7 +9813,7 @@
             <a:fld id="{766E0936-2EAE-45ED-BF76-21D747438BFA}" type="datetimeFigureOut">
               <a:rPr lang="pt-BR" smtClean="0"/>
               <a:pPr/>
-              <a:t>20/01/2012</a:t>
+              <a:t>11/02/2012</a:t>
             </a:fld>
             <a:endParaRPr lang="pt-BR"/>
           </a:p>
@@ -10411,11 +10411,7 @@
           <a:p>
             <a:r>
               <a:rPr lang="pt-BR" dirty="0" smtClean="0"/>
-              <a:t>Primeira </a:t>
-            </a:r>
-            <a:r>
-              <a:rPr lang="pt-BR" dirty="0" smtClean="0"/>
-              <a:t>letra minúscula</a:t>
+              <a:t>Primeira letra minúscula</a:t>
             </a:r>
           </a:p>
           <a:p>
@@ -10478,15 +10474,7 @@
             </a:r>
             <a:r>
               <a:rPr lang="pt-BR" dirty="0" smtClean="0"/>
-              <a:t> </a:t>
-            </a:r>
-            <a:r>
-              <a:rPr lang="pt-BR" dirty="0" smtClean="0"/>
-              <a:t>para </a:t>
-            </a:r>
-            <a:r>
-              <a:rPr lang="pt-BR" dirty="0" err="1" smtClean="0"/>
-              <a:t>vairáveis</a:t>
+              <a:t> para variáveis</a:t>
             </a:r>
             <a:endParaRPr lang="pt-BR" dirty="0"/>
           </a:p>
@@ -10498,6 +10486,13 @@
     <a:masterClrMapping/>
   </p:clrMapOvr>
   <p:transition spd="slow"/>
+  <p:timing>
+    <p:tnLst>
+      <p:par>
+        <p:cTn id="1" dur="indefinite" restart="never" nodeType="tmRoot"/>
+      </p:par>
+    </p:tnLst>
+  </p:timing>
 </p:sld>
 </file>
 
@@ -10535,11 +10530,7 @@
           <a:p>
             <a:r>
               <a:rPr lang="pt-BR" dirty="0" smtClean="0"/>
-              <a:t>Todas </a:t>
-            </a:r>
-            <a:r>
-              <a:rPr lang="pt-BR" dirty="0" smtClean="0"/>
-              <a:t>letras maiúsculas com underscore entre </a:t>
+              <a:t>Todas letras maiúsculas com underscore entre </a:t>
             </a:r>
             <a:r>
               <a:rPr lang="pt-BR" dirty="0" err="1" smtClean="0"/>
@@ -10609,6 +10600,13 @@
     <a:masterClrMapping/>
   </p:clrMapOvr>
   <p:transition spd="slow"/>
+  <p:timing>
+    <p:tnLst>
+      <p:par>
+        <p:cTn id="1" dur="indefinite" restart="never" nodeType="tmRoot"/>
+      </p:par>
+    </p:tnLst>
+  </p:timing>
 </p:sld>
 </file>
 
@@ -10685,6 +10683,13 @@
     <a:masterClrMapping/>
   </p:clrMapOvr>
   <p:transition spd="slow"/>
+  <p:timing>
+    <p:tnLst>
+      <p:par>
+        <p:cTn id="1" dur="indefinite" restart="never" nodeType="tmRoot"/>
+      </p:par>
+    </p:tnLst>
+  </p:timing>
 </p:sld>
 </file>
 
@@ -10802,6 +10807,13 @@
     <a:masterClrMapping/>
   </p:clrMapOvr>
   <p:transition spd="slow"/>
+  <p:timing>
+    <p:tnLst>
+      <p:par>
+        <p:cTn id="1" dur="indefinite" restart="never" nodeType="tmRoot"/>
+      </p:par>
+    </p:tnLst>
+  </p:timing>
 </p:sld>
 </file>
 
@@ -10892,11 +10904,7 @@
           <a:p>
             <a:r>
               <a:rPr lang="pt-BR" dirty="0" smtClean="0"/>
-              <a:t>Métodos de </a:t>
-            </a:r>
-            <a:r>
-              <a:rPr lang="pt-BR" dirty="0" smtClean="0"/>
-              <a:t>retorno(</a:t>
+              <a:t>Métodos de retorno(</a:t>
             </a:r>
             <a:r>
               <a:rPr lang="pt-BR" dirty="0" err="1" smtClean="0"/>
@@ -10916,6 +10924,13 @@
     <a:masterClrMapping/>
   </p:clrMapOvr>
   <p:transition spd="slow"/>
+  <p:timing>
+    <p:tnLst>
+      <p:par>
+        <p:cTn id="1" dur="indefinite" restart="never" nodeType="tmRoot"/>
+      </p:par>
+    </p:tnLst>
+  </p:timing>
 </p:sld>
 </file>
 
@@ -11032,6 +11047,13 @@
     <a:masterClrMapping/>
   </p:clrMapOvr>
   <p:transition spd="slow"/>
+  <p:timing>
+    <p:tnLst>
+      <p:par>
+        <p:cTn id="1" dur="indefinite" restart="never" nodeType="tmRoot"/>
+      </p:par>
+    </p:tnLst>
+  </p:timing>
 </p:sld>
 </file>
 
@@ -11184,6 +11206,13 @@
     <a:masterClrMapping/>
   </p:clrMapOvr>
   <p:transition spd="slow"/>
+  <p:timing>
+    <p:tnLst>
+      <p:par>
+        <p:cTn id="1" dur="indefinite" restart="never" nodeType="tmRoot"/>
+      </p:par>
+    </p:tnLst>
+  </p:timing>
 </p:sld>
 </file>
 
@@ -11285,6 +11314,13 @@
     <a:masterClrMapping/>
   </p:clrMapOvr>
   <p:transition spd="slow"/>
+  <p:timing>
+    <p:tnLst>
+      <p:par>
+        <p:cTn id="1" dur="indefinite" restart="never" nodeType="tmRoot"/>
+      </p:par>
+    </p:tnLst>
+  </p:timing>
 </p:sld>
 </file>
 
@@ -11322,7 +11358,7 @@
           <a:p>
             <a:r>
               <a:rPr lang="pt-BR" dirty="0" smtClean="0"/>
-              <a:t>Só pode haver uma classe publica por arquivo</a:t>
+              <a:t>Só pode haver uma classe pública por arquivo</a:t>
             </a:r>
           </a:p>
           <a:p>
@@ -11371,6 +11407,13 @@
     <a:masterClrMapping/>
   </p:clrMapOvr>
   <p:transition spd="slow"/>
+  <p:timing>
+    <p:tnLst>
+      <p:par>
+        <p:cTn id="1" dur="indefinite" restart="never" nodeType="tmRoot"/>
+      </p:par>
+    </p:tnLst>
+  </p:timing>
 </p:sld>
 </file>
 
@@ -11475,11 +11518,7 @@
           <a:p>
             <a:r>
               <a:rPr lang="pt-BR" dirty="0" smtClean="0"/>
-              <a:t>Regras de arquivo de </a:t>
-            </a:r>
-            <a:r>
-              <a:rPr lang="pt-BR" dirty="0" smtClean="0"/>
-              <a:t>código-fonte(</a:t>
+              <a:t>Regras de arquivo de código-fonte(</a:t>
             </a:r>
             <a:r>
               <a:rPr lang="pt-BR" dirty="0" err="1" smtClean="0"/>
@@ -11499,6 +11538,13 @@
     <a:masterClrMapping/>
   </p:clrMapOvr>
   <p:transition spd="slow"/>
+  <p:timing>
+    <p:tnLst>
+      <p:par>
+        <p:cTn id="1" dur="indefinite" restart="never" nodeType="tmRoot"/>
+      </p:par>
+    </p:tnLst>
+  </p:timing>
 </p:sld>
 </file>
 
@@ -11536,13 +11582,8 @@
           <a:p>
             <a:r>
               <a:rPr lang="pt-BR" dirty="0" smtClean="0"/>
-              <a:t>São </a:t>
-            </a:r>
-            <a:r>
-              <a:rPr lang="pt-BR" dirty="0" smtClean="0"/>
-              <a:t>os nomes em Java que identificam as estruturas válidas</a:t>
-            </a:r>
-            <a:endParaRPr lang="pt-BR" dirty="0" smtClean="0"/>
+              <a:t>São os nomes em Java que identificam as estruturas válidas</a:t>
+            </a:r>
           </a:p>
           <a:p>
             <a:pPr lvl="1">
@@ -11625,13 +11666,13 @@
           <a:p>
             <a:r>
               <a:rPr lang="pt-BR" dirty="0" smtClean="0"/>
-              <a:t>Uma classe pode ter mais de uma classe não pública</a:t>
-            </a:r>
-          </a:p>
-          <a:p>
-            <a:r>
-              <a:rPr lang="pt-BR" dirty="0" smtClean="0"/>
-              <a:t>Arquivos sem nenhuma classe pública não precisam não precisam ser iguais ao das classes</a:t>
+              <a:t>Um arquivo pode ter mais de uma classe não pública</a:t>
+            </a:r>
+          </a:p>
+          <a:p>
+            <a:r>
+              <a:rPr lang="pt-BR" dirty="0" smtClean="0"/>
+              <a:t>Arquivos sem nenhuma classe pública não precisam  ter nomes iguais ao das classes</a:t>
             </a:r>
           </a:p>
           <a:p>
@@ -11658,11 +11699,7 @@
           <a:p>
             <a:r>
               <a:rPr lang="pt-BR" dirty="0" smtClean="0"/>
-              <a:t>Regras de arquivo de </a:t>
-            </a:r>
-            <a:r>
-              <a:rPr lang="pt-BR" dirty="0" smtClean="0"/>
-              <a:t>código-fonte(</a:t>
+              <a:t>Regras de arquivo de código-fonte(</a:t>
             </a:r>
             <a:r>
               <a:rPr lang="pt-BR" dirty="0" err="1" smtClean="0"/>
@@ -11682,6 +11719,13 @@
     <a:masterClrMapping/>
   </p:clrMapOvr>
   <p:transition spd="slow"/>
+  <p:timing>
+    <p:tnLst>
+      <p:par>
+        <p:cTn id="1" dur="indefinite" restart="never" nodeType="tmRoot"/>
+      </p:par>
+    </p:tnLst>
+  </p:timing>
 </p:sld>
 </file>
 
@@ -12188,6 +12232,13 @@
     <a:masterClrMapping/>
   </p:clrMapOvr>
   <p:transition spd="slow"/>
+  <p:timing>
+    <p:tnLst>
+      <p:par>
+        <p:cTn id="1" dur="indefinite" restart="never" nodeType="tmRoot"/>
+      </p:par>
+    </p:tnLst>
+  </p:timing>
 </p:sld>
 </file>
 
@@ -12271,11 +12322,7 @@
             </a:r>
             <a:r>
               <a:rPr lang="pt-BR" dirty="0" smtClean="0"/>
-              <a:t>, final, </a:t>
-            </a:r>
-            <a:r>
-              <a:rPr lang="pt-BR" dirty="0" smtClean="0"/>
-              <a:t>abstract, </a:t>
+              <a:t>, final, abstract, </a:t>
             </a:r>
             <a:r>
               <a:rPr lang="pt-BR" dirty="0" err="1" smtClean="0"/>
@@ -12326,6 +12373,13 @@
     <a:masterClrMapping/>
   </p:clrMapOvr>
   <p:transition spd="slow"/>
+  <p:timing>
+    <p:tnLst>
+      <p:par>
+        <p:cTn id="1" dur="indefinite" restart="never" nodeType="tmRoot"/>
+      </p:par>
+    </p:tnLst>
+  </p:timing>
 </p:sld>
 </file>
 
@@ -12453,11 +12507,7 @@
           <a:p>
             <a:r>
               <a:rPr lang="pt-BR" dirty="0" smtClean="0"/>
-              <a:t>Modificadores na declaração </a:t>
-            </a:r>
-            <a:r>
-              <a:rPr lang="pt-BR" dirty="0" smtClean="0"/>
-              <a:t>de classe</a:t>
+              <a:t>Modificadores na declaração de classe</a:t>
             </a:r>
             <a:endParaRPr lang="pt-BR" dirty="0"/>
           </a:p>
@@ -12469,6 +12519,13 @@
     <a:masterClrMapping/>
   </p:clrMapOvr>
   <p:transition spd="slow"/>
+  <p:timing>
+    <p:tnLst>
+      <p:par>
+        <p:cTn id="1" dur="indefinite" restart="never" nodeType="tmRoot"/>
+      </p:par>
+    </p:tnLst>
+  </p:timing>
 </p:sld>
 </file>
 
@@ -12624,6 +12681,13 @@
     <a:masterClrMapping/>
   </p:clrMapOvr>
   <p:transition spd="slow"/>
+  <p:timing>
+    <p:tnLst>
+      <p:par>
+        <p:cTn id="1" dur="indefinite" restart="never" nodeType="tmRoot"/>
+      </p:par>
+    </p:tnLst>
+  </p:timing>
 </p:sld>
 </file>
 
@@ -12764,23 +12828,7 @@
                 <a:ea typeface="Calibri"/>
                 <a:cs typeface="Consolas" pitchFamily="49" charset="0"/>
               </a:rPr>
-              <a:t>package </a:t>
-            </a:r>
-            <a:r>
-              <a:rPr lang="pt-BR" sz="1600" dirty="0" err="1" smtClean="0">
-                <a:latin typeface="Consolas" pitchFamily="49" charset="0"/>
-                <a:ea typeface="Calibri"/>
-                <a:cs typeface="Consolas" pitchFamily="49" charset="0"/>
-              </a:rPr>
-              <a:t>fbv</a:t>
-            </a:r>
-            <a:r>
-              <a:rPr lang="pt-BR" sz="1600" dirty="0" smtClean="0">
-                <a:latin typeface="Consolas" pitchFamily="49" charset="0"/>
-                <a:ea typeface="Calibri"/>
-                <a:cs typeface="Consolas" pitchFamily="49" charset="0"/>
-              </a:rPr>
-              <a:t>;</a:t>
+              <a:t>package faculdade;</a:t>
             </a:r>
           </a:p>
           <a:p>
@@ -12912,7 +12960,23 @@
                 <a:ea typeface="Calibri"/>
                 <a:cs typeface="Consolas" pitchFamily="49" charset="0"/>
               </a:rPr>
-              <a:t> Aluno{}</a:t>
+              <a:t> </a:t>
+            </a:r>
+            <a:r>
+              <a:rPr lang="pt-BR" sz="1600" dirty="0" err="1">
+                <a:latin typeface="Consolas" pitchFamily="49" charset="0"/>
+                <a:ea typeface="Calibri"/>
+                <a:cs typeface="Consolas" pitchFamily="49" charset="0"/>
+              </a:rPr>
+              <a:t>faculdade.Aluno</a:t>
+            </a:r>
+            <a:r>
+              <a:rPr lang="pt-BR" sz="1600" dirty="0" smtClean="0">
+                <a:latin typeface="Consolas" pitchFamily="49" charset="0"/>
+                <a:ea typeface="Calibri"/>
+                <a:cs typeface="Consolas" pitchFamily="49" charset="0"/>
+              </a:rPr>
+              <a:t>{}</a:t>
             </a:r>
             <a:endParaRPr lang="pt-BR" sz="1600" dirty="0">
               <a:latin typeface="Consolas" pitchFamily="49" charset="0"/>
@@ -12928,6 +12992,13 @@
     <a:masterClrMapping/>
   </p:clrMapOvr>
   <p:transition spd="slow"/>
+  <p:timing>
+    <p:tnLst>
+      <p:par>
+        <p:cTn id="1" dur="indefinite" restart="never" nodeType="tmRoot"/>
+      </p:par>
+    </p:tnLst>
+  </p:timing>
 </p:sld>
 </file>
 
@@ -13061,28 +13132,20 @@
               </a:spcAft>
             </a:pPr>
             <a:r>
+              <a:rPr lang="pt-BR" sz="1600" dirty="0" err="1" smtClean="0">
+                <a:latin typeface="Consolas" pitchFamily="49" charset="0"/>
+                <a:ea typeface="Calibri"/>
+                <a:cs typeface="Consolas" pitchFamily="49" charset="0"/>
+              </a:rPr>
+              <a:t>package</a:t>
+            </a:r>
+            <a:r>
               <a:rPr lang="pt-BR" sz="1600" dirty="0" smtClean="0">
                 <a:latin typeface="Consolas" pitchFamily="49" charset="0"/>
                 <a:ea typeface="Calibri"/>
                 <a:cs typeface="Consolas" pitchFamily="49" charset="0"/>
               </a:rPr>
-              <a:t>package </a:t>
-            </a:r>
-            <a:r>
-              <a:rPr lang="pt-BR" sz="1600" dirty="0" err="1" smtClean="0">
-                <a:latin typeface="Consolas" pitchFamily="49" charset="0"/>
-                <a:ea typeface="Calibri"/>
-                <a:cs typeface="Consolas" pitchFamily="49" charset="0"/>
-              </a:rPr>
-              <a:t>fbv</a:t>
-            </a:r>
-            <a:r>
-              <a:rPr lang="pt-BR" sz="1600" dirty="0" smtClean="0">
-                <a:latin typeface="Consolas" pitchFamily="49" charset="0"/>
-                <a:ea typeface="Calibri"/>
-                <a:cs typeface="Consolas" pitchFamily="49" charset="0"/>
-              </a:rPr>
-              <a:t>;</a:t>
+              <a:t> faculdade;</a:t>
             </a:r>
           </a:p>
           <a:p>
@@ -13167,12 +13230,20 @@
               </a:spcAft>
             </a:pPr>
             <a:r>
+              <a:rPr lang="pt-BR" sz="1600" dirty="0" err="1" smtClean="0">
+                <a:latin typeface="Consolas" pitchFamily="49" charset="0"/>
+                <a:ea typeface="Calibri"/>
+                <a:cs typeface="Consolas" pitchFamily="49" charset="0"/>
+              </a:rPr>
+              <a:t>package</a:t>
+            </a:r>
+            <a:r>
               <a:rPr lang="pt-BR" sz="1600" dirty="0" smtClean="0">
                 <a:latin typeface="Consolas" pitchFamily="49" charset="0"/>
                 <a:ea typeface="Calibri"/>
                 <a:cs typeface="Consolas" pitchFamily="49" charset="0"/>
               </a:rPr>
-              <a:t>package inove;</a:t>
+              <a:t> inove;</a:t>
             </a:r>
           </a:p>
           <a:p>
@@ -13230,7 +13301,23 @@
                 <a:ea typeface="Calibri"/>
                 <a:cs typeface="Consolas" pitchFamily="49" charset="0"/>
               </a:rPr>
-              <a:t> Aluno{}</a:t>
+              <a:t> </a:t>
+            </a:r>
+            <a:r>
+              <a:rPr lang="pt-BR" sz="1600" dirty="0" err="1" smtClean="0">
+                <a:latin typeface="Consolas" pitchFamily="49" charset="0"/>
+                <a:ea typeface="Calibri"/>
+                <a:cs typeface="Consolas" pitchFamily="49" charset="0"/>
+              </a:rPr>
+              <a:t>faculdade.Aluno</a:t>
+            </a:r>
+            <a:r>
+              <a:rPr lang="pt-BR" sz="1600" dirty="0" smtClean="0">
+                <a:latin typeface="Consolas" pitchFamily="49" charset="0"/>
+                <a:ea typeface="Calibri"/>
+                <a:cs typeface="Consolas" pitchFamily="49" charset="0"/>
+              </a:rPr>
+              <a:t>{}</a:t>
             </a:r>
             <a:endParaRPr lang="pt-BR" sz="1600" dirty="0">
               <a:latin typeface="Consolas" pitchFamily="49" charset="0"/>
@@ -13246,6 +13333,13 @@
     <a:masterClrMapping/>
   </p:clrMapOvr>
   <p:transition spd="slow"/>
+  <p:timing>
+    <p:tnLst>
+      <p:par>
+        <p:cTn id="1" dur="indefinite" restart="never" nodeType="tmRoot"/>
+      </p:par>
+    </p:tnLst>
+  </p:timing>
 </p:sld>
 </file>
 
@@ -13342,6 +13436,13 @@
     <a:masterClrMapping/>
   </p:clrMapOvr>
   <p:transition spd="slow"/>
+  <p:timing>
+    <p:tnLst>
+      <p:par>
+        <p:cTn id="1" dur="indefinite" restart="never" nodeType="tmRoot"/>
+      </p:par>
+    </p:tnLst>
+  </p:timing>
 </p:sld>
 </file>
 
@@ -13415,11 +13516,7 @@
           <a:p>
             <a:r>
               <a:rPr lang="pt-BR" dirty="0" smtClean="0"/>
-              <a:t>Modificadores não referentes a acesso(final</a:t>
-            </a:r>
-            <a:r>
-              <a:rPr lang="pt-BR" dirty="0" smtClean="0"/>
-              <a:t>) em classes</a:t>
+              <a:t>Modificadores não referentes a acesso(final) em classes</a:t>
             </a:r>
             <a:endParaRPr lang="pt-BR" dirty="0"/>
           </a:p>
@@ -13431,6 +13528,13 @@
     <a:masterClrMapping/>
   </p:clrMapOvr>
   <p:transition spd="slow"/>
+  <p:timing>
+    <p:tnLst>
+      <p:par>
+        <p:cTn id="1" dur="indefinite" restart="never" nodeType="tmRoot"/>
+      </p:par>
+    </p:tnLst>
+  </p:timing>
 </p:sld>
 </file>
 
@@ -13560,21 +13664,8 @@
                 <a:ea typeface="Calibri"/>
                 <a:cs typeface="Consolas" pitchFamily="49" charset="0"/>
               </a:rPr>
-              <a:t>package </a:t>
-            </a:r>
-            <a:r>
-              <a:rPr lang="pt-BR" sz="1600" dirty="0" smtClean="0">
-                <a:latin typeface="Consolas" pitchFamily="49" charset="0"/>
-                <a:ea typeface="Calibri"/>
-                <a:cs typeface="Consolas" pitchFamily="49" charset="0"/>
-              </a:rPr>
-              <a:t>faculdade;</a:t>
-            </a:r>
-            <a:endParaRPr lang="pt-BR" sz="1600" dirty="0" smtClean="0">
-              <a:latin typeface="Consolas" pitchFamily="49" charset="0"/>
-              <a:ea typeface="Calibri"/>
-              <a:cs typeface="Consolas" pitchFamily="49" charset="0"/>
-            </a:endParaRPr>
+              <a:t>package faculdade;</a:t>
+            </a:r>
           </a:p>
           <a:p>
             <a:pPr>
@@ -13745,6 +13836,13 @@
     <a:masterClrMapping/>
   </p:clrMapOvr>
   <p:transition spd="slow"/>
+  <p:timing>
+    <p:tnLst>
+      <p:par>
+        <p:cTn id="1" dur="indefinite" restart="never" nodeType="tmRoot"/>
+      </p:par>
+    </p:tnLst>
+  </p:timing>
 </p:sld>
 </file>
 
@@ -13939,11 +14037,7 @@
           <a:p>
             <a:r>
               <a:rPr lang="pt-BR" dirty="0" smtClean="0"/>
-              <a:t>Modificadores não referentes a acesso(abstract</a:t>
-            </a:r>
-            <a:r>
-              <a:rPr lang="pt-BR" dirty="0" smtClean="0"/>
-              <a:t>) para uma classe</a:t>
+              <a:t>Modificadores não referentes a acesso(abstract) para uma classe</a:t>
             </a:r>
             <a:endParaRPr lang="pt-BR" dirty="0"/>
           </a:p>
@@ -13955,6 +14049,13 @@
     <a:masterClrMapping/>
   </p:clrMapOvr>
   <p:transition spd="slow"/>
+  <p:timing>
+    <p:tnLst>
+      <p:par>
+        <p:cTn id="1" dur="indefinite" restart="never" nodeType="tmRoot"/>
+      </p:par>
+    </p:tnLst>
+  </p:timing>
 </p:sld>
 </file>
 
@@ -14155,7 +14256,39 @@
                 <a:ea typeface="Calibri"/>
                 <a:cs typeface="Consolas" pitchFamily="49" charset="0"/>
               </a:rPr>
-              <a:t>(){}</a:t>
+              <a:t>(){</a:t>
+            </a:r>
+            <a:r>
+              <a:rPr lang="pt-BR" sz="1600" dirty="0" err="1" smtClean="0">
+                <a:latin typeface="Consolas" pitchFamily="49" charset="0"/>
+                <a:ea typeface="Calibri"/>
+                <a:cs typeface="Consolas" pitchFamily="49" charset="0"/>
+              </a:rPr>
+              <a:t>return</a:t>
+            </a:r>
+            <a:r>
+              <a:rPr lang="pt-BR" sz="1600" dirty="0" smtClean="0">
+                <a:latin typeface="Consolas" pitchFamily="49" charset="0"/>
+                <a:ea typeface="Calibri"/>
+                <a:cs typeface="Consolas" pitchFamily="49" charset="0"/>
+              </a:rPr>
+              <a:t> </a:t>
+            </a:r>
+            <a:r>
+              <a:rPr lang="pt-BR" sz="1600" dirty="0" err="1" smtClean="0">
+                <a:latin typeface="Consolas" pitchFamily="49" charset="0"/>
+                <a:ea typeface="Calibri"/>
+                <a:cs typeface="Consolas" pitchFamily="49" charset="0"/>
+              </a:rPr>
+              <a:t>null</a:t>
+            </a:r>
+            <a:r>
+              <a:rPr lang="pt-BR" sz="1600" dirty="0" smtClean="0">
+                <a:latin typeface="Consolas" pitchFamily="49" charset="0"/>
+                <a:ea typeface="Calibri"/>
+                <a:cs typeface="Consolas" pitchFamily="49" charset="0"/>
+              </a:rPr>
+              <a:t>;}</a:t>
             </a:r>
           </a:p>
           <a:p>
@@ -14364,6 +14497,13 @@
     <a:masterClrMapping/>
   </p:clrMapOvr>
   <p:transition spd="slow"/>
+  <p:timing>
+    <p:tnLst>
+      <p:par>
+        <p:cTn id="1" dur="indefinite" restart="never" nodeType="tmRoot"/>
+      </p:par>
+    </p:tnLst>
+  </p:timing>
 </p:sld>
 </file>
 
@@ -14448,6 +14588,13 @@
     <a:masterClrMapping/>
   </p:clrMapOvr>
   <p:transition spd="slow"/>
+  <p:timing>
+    <p:tnLst>
+      <p:par>
+        <p:cTn id="1" dur="indefinite" restart="never" nodeType="tmRoot"/>
+      </p:par>
+    </p:tnLst>
+  </p:timing>
 </p:sld>
 </file>
 
@@ -14564,11 +14711,7 @@
           <a:p>
             <a:r>
               <a:rPr lang="pt-BR" dirty="0" smtClean="0"/>
-              <a:t>Declarando uma </a:t>
-            </a:r>
-            <a:r>
-              <a:rPr lang="pt-BR" dirty="0" smtClean="0"/>
-              <a:t>interface(</a:t>
+              <a:t>Declarando uma interface(</a:t>
             </a:r>
             <a:r>
               <a:rPr lang="pt-BR" dirty="0" err="1" smtClean="0"/>
@@ -14588,6 +14731,13 @@
     <a:masterClrMapping/>
   </p:clrMapOvr>
   <p:transition spd="slow"/>
+  <p:timing>
+    <p:tnLst>
+      <p:par>
+        <p:cTn id="1" dur="indefinite" restart="never" nodeType="tmRoot"/>
+      </p:par>
+    </p:tnLst>
+  </p:timing>
 </p:sld>
 </file>
 
@@ -14943,6 +15093,13 @@
     <a:masterClrMapping/>
   </p:clrMapOvr>
   <p:transition spd="slow"/>
+  <p:timing>
+    <p:tnLst>
+      <p:par>
+        <p:cTn id="1" dur="indefinite" restart="never" nodeType="tmRoot"/>
+      </p:par>
+    </p:tnLst>
+  </p:timing>
 </p:sld>
 </file>
 
@@ -15023,6 +15180,13 @@
     <a:masterClrMapping/>
   </p:clrMapOvr>
   <p:transition spd="slow"/>
+  <p:timing>
+    <p:tnLst>
+      <p:par>
+        <p:cTn id="1" dur="indefinite" restart="never" nodeType="tmRoot"/>
+      </p:par>
+    </p:tnLst>
+  </p:timing>
 </p:sld>
 </file>
 
@@ -15060,11 +15224,7 @@
           <a:p>
             <a:r>
               <a:rPr lang="pt-BR" dirty="0" smtClean="0"/>
-              <a:t>Chamada </a:t>
-            </a:r>
-            <a:r>
-              <a:rPr lang="pt-BR" dirty="0" smtClean="0"/>
-              <a:t>direta do membro de outra classe(acesso com operador ponto)</a:t>
+              <a:t>Chamada direta do membro de outra classe(acesso com operador ponto)</a:t>
             </a:r>
           </a:p>
           <a:p>
@@ -15106,6 +15266,13 @@
     <a:masterClrMapping/>
   </p:clrMapOvr>
   <p:transition spd="slow"/>
+  <p:timing>
+    <p:tnLst>
+      <p:par>
+        <p:cTn id="1" dur="indefinite" restart="never" nodeType="tmRoot"/>
+      </p:par>
+    </p:tnLst>
+  </p:timing>
 </p:sld>
 </file>
 
@@ -15126,29 +15293,39 @@
           <a:chExt cx="0" cy="0"/>
         </a:xfrm>
       </p:grpSpPr>
-      <p:pic>
-        <p:nvPicPr>
-          <p:cNvPr id="4" name="Espaço Reservado para Conteúdo 3" descr="acessoMembros.png"/>
-          <p:cNvPicPr>
-            <a:picLocks noGrp="1" noChangeAspect="1"/>
-          </p:cNvPicPr>
+      <p:sp>
+        <p:nvSpPr>
+          <p:cNvPr id="2" name="Espaço Reservado para Conteúdo 1"/>
+          <p:cNvSpPr>
+            <a:spLocks noGrp="1"/>
+          </p:cNvSpPr>
           <p:nvPr>
             <p:ph idx="1"/>
           </p:nvPr>
-        </p:nvPicPr>
-        <p:blipFill>
-          <a:blip r:embed="rId3" cstate="print"/>
-          <a:stretch>
-            <a:fillRect/>
-          </a:stretch>
-        </p:blipFill>
-        <p:spPr>
-          <a:xfrm>
-            <a:off x="1643042" y="841574"/>
-            <a:ext cx="5715040" cy="7828822"/>
-          </a:xfrm>
-        </p:spPr>
-      </p:pic>
+        </p:nvSpPr>
+        <p:spPr/>
+        <p:txBody>
+          <a:bodyPr/>
+          <a:lstStyle/>
+          <a:p>
+            <a:r>
+              <a:rPr lang="pt-BR" dirty="0" smtClean="0"/>
+              <a:t>Para membros marcados com acesso público, todos os métodos de todas as classes podem acessá-los </a:t>
+            </a:r>
+          </a:p>
+          <a:p>
+            <a:r>
+              <a:rPr lang="pt-BR" dirty="0" err="1" smtClean="0"/>
+              <a:t>Obs</a:t>
+            </a:r>
+            <a:r>
+              <a:rPr lang="pt-BR" dirty="0" smtClean="0"/>
+              <a:t>: Uma vez que se tenha acesso a classe em que o membro está declarado!</a:t>
+            </a:r>
+            <a:endParaRPr lang="pt-BR" dirty="0"/>
+          </a:p>
+        </p:txBody>
+      </p:sp>
       <p:sp>
         <p:nvSpPr>
           <p:cNvPr id="3" name="Título 2"/>
@@ -15159,19 +15336,16 @@
             <p:ph type="title"/>
           </p:nvPr>
         </p:nvSpPr>
-        <p:spPr>
-          <a:xfrm>
-            <a:off x="457200" y="-214338"/>
-            <a:ext cx="8229600" cy="1143000"/>
-          </a:xfrm>
-        </p:spPr>
-        <p:txBody>
-          <a:bodyPr/>
-          <a:lstStyle/>
-          <a:p>
-            <a:r>
-              <a:rPr lang="pt-BR" dirty="0" smtClean="0"/>
-              <a:t>Exemplo</a:t>
+        <p:spPr/>
+        <p:txBody>
+          <a:bodyPr>
+            <a:normAutofit fontScale="90000"/>
+          </a:bodyPr>
+          <a:lstStyle/>
+          <a:p>
+            <a:r>
+              <a:rPr lang="pt-BR" dirty="0" smtClean="0"/>
+              <a:t>Acesso público para membros de classe</a:t>
             </a:r>
             <a:endParaRPr lang="pt-BR" dirty="0"/>
           </a:p>
@@ -15227,23 +15401,14 @@
           <a:p>
             <a:r>
               <a:rPr lang="pt-BR" dirty="0" smtClean="0"/>
-              <a:t>Para </a:t>
-            </a:r>
-            <a:r>
-              <a:rPr lang="pt-BR" dirty="0" smtClean="0"/>
-              <a:t>membros marcados com acesso público, todos os métodos de todas as classes podem acessá-los </a:t>
-            </a:r>
-          </a:p>
-          <a:p>
-            <a:r>
-              <a:rPr lang="pt-BR" dirty="0" err="1" smtClean="0"/>
-              <a:t>Obs</a:t>
-            </a:r>
-            <a:r>
-              <a:rPr lang="pt-BR" dirty="0" smtClean="0"/>
-              <a:t>: Uma vez que se tenha acesso a classe em que o membro está declarado!</a:t>
-            </a:r>
-            <a:endParaRPr lang="pt-BR" dirty="0"/>
+              <a:t>Para membros marcados com acesso privado, apenas os métodos na mesma classe tem acesso</a:t>
+            </a:r>
+          </a:p>
+          <a:p>
+            <a:r>
+              <a:rPr lang="pt-BR" dirty="0" smtClean="0"/>
+              <a:t>Subclasses também não tem acesso, mas podem declarar um método com o mesmo nome</a:t>
+            </a:r>
           </a:p>
         </p:txBody>
       </p:sp>
@@ -15266,19 +15431,7 @@
           <a:p>
             <a:r>
               <a:rPr lang="pt-BR" dirty="0" smtClean="0"/>
-              <a:t>Acesso </a:t>
-            </a:r>
-            <a:r>
-              <a:rPr lang="pt-BR" dirty="0" smtClean="0"/>
-              <a:t>público para </a:t>
-            </a:r>
-            <a:r>
-              <a:rPr lang="pt-BR" dirty="0" smtClean="0"/>
-              <a:t>membros </a:t>
-            </a:r>
-            <a:r>
-              <a:rPr lang="pt-BR" dirty="0" smtClean="0"/>
-              <a:t>de classe</a:t>
+              <a:t>Acesso privado para membros de classe</a:t>
             </a:r>
             <a:endParaRPr lang="pt-BR" dirty="0"/>
           </a:p>
@@ -15290,6 +15443,13 @@
     <a:masterClrMapping/>
   </p:clrMapOvr>
   <p:transition spd="slow"/>
+  <p:timing>
+    <p:tnLst>
+      <p:par>
+        <p:cTn id="1" dur="indefinite" restart="never" nodeType="tmRoot"/>
+      </p:par>
+    </p:tnLst>
+  </p:timing>
 </p:sld>
 </file>
 
@@ -15327,18 +15487,41 @@
           <a:p>
             <a:r>
               <a:rPr lang="pt-BR" dirty="0" smtClean="0"/>
-              <a:t>Para </a:t>
-            </a:r>
-            <a:r>
-              <a:rPr lang="pt-BR" dirty="0" smtClean="0"/>
-              <a:t>membros marcados com acesso privado, apenas os métodos na mesma classe tem acesso</a:t>
-            </a:r>
-          </a:p>
-          <a:p>
-            <a:r>
-              <a:rPr lang="pt-BR" dirty="0" smtClean="0"/>
-              <a:t>Subclasses também não tem acesso, mas podem declarar um método com o mesmo nome</a:t>
-            </a:r>
+              <a:t>São muito similares pois ambos permitem acesso dentro do pacote</a:t>
+            </a:r>
+          </a:p>
+          <a:p>
+            <a:r>
+              <a:rPr lang="pt-BR" dirty="0" smtClean="0"/>
+              <a:t>O acesso </a:t>
+            </a:r>
+            <a:r>
+              <a:rPr lang="pt-BR" dirty="0" err="1" smtClean="0"/>
+              <a:t>protected</a:t>
+            </a:r>
+            <a:r>
+              <a:rPr lang="pt-BR" dirty="0" smtClean="0"/>
+              <a:t> permite visibilidade além do pacote através de herança</a:t>
+            </a:r>
+          </a:p>
+          <a:p>
+            <a:r>
+              <a:rPr lang="pt-BR" dirty="0" smtClean="0"/>
+              <a:t>O acesso </a:t>
+            </a:r>
+            <a:r>
+              <a:rPr lang="pt-BR" dirty="0" err="1" smtClean="0"/>
+              <a:t>protected</a:t>
+            </a:r>
+            <a:r>
+              <a:rPr lang="pt-BR" dirty="0" smtClean="0"/>
+              <a:t> não permite chamada diretas do membro através da superclasse como se fosse </a:t>
+            </a:r>
+            <a:r>
+              <a:rPr lang="pt-BR" dirty="0" err="1" smtClean="0"/>
+              <a:t>public</a:t>
+            </a:r>
+            <a:endParaRPr lang="pt-BR" dirty="0" smtClean="0"/>
           </a:p>
         </p:txBody>
       </p:sp>
@@ -15361,15 +15544,7 @@
           <a:p>
             <a:r>
               <a:rPr lang="pt-BR" dirty="0" smtClean="0"/>
-              <a:t>Acesso </a:t>
-            </a:r>
-            <a:r>
-              <a:rPr lang="pt-BR" dirty="0" smtClean="0"/>
-              <a:t>privado </a:t>
-            </a:r>
-            <a:r>
-              <a:rPr lang="pt-BR" dirty="0" smtClean="0"/>
-              <a:t>para membros de classe</a:t>
+              <a:t>Acesso protegido e default para membros de classe</a:t>
             </a:r>
             <a:endParaRPr lang="pt-BR" dirty="0"/>
           </a:p>
@@ -15381,6 +15556,13 @@
     <a:masterClrMapping/>
   </p:clrMapOvr>
   <p:transition spd="slow"/>
+  <p:timing>
+    <p:tnLst>
+      <p:par>
+        <p:cTn id="1" dur="indefinite" restart="never" nodeType="tmRoot"/>
+      </p:par>
+    </p:tnLst>
+  </p:timing>
 </p:sld>
 </file>
 
@@ -15669,97 +15851,52 @@
           <a:chExt cx="0" cy="0"/>
         </a:xfrm>
       </p:grpSpPr>
-      <p:sp>
-        <p:nvSpPr>
-          <p:cNvPr id="2" name="Espaço Reservado para Conteúdo 1"/>
-          <p:cNvSpPr>
-            <a:spLocks noGrp="1"/>
-          </p:cNvSpPr>
+      <p:pic>
+        <p:nvPicPr>
+          <p:cNvPr id="4" name="Espaço Reservado para Conteúdo 3" descr="acessoMembros.png"/>
+          <p:cNvPicPr>
+            <a:picLocks noGrp="1" noChangeAspect="1"/>
+          </p:cNvPicPr>
           <p:nvPr>
             <p:ph idx="1"/>
           </p:nvPr>
-        </p:nvSpPr>
-        <p:spPr/>
+        </p:nvPicPr>
+        <p:blipFill>
+          <a:blip r:embed="rId3" cstate="print"/>
+          <a:stretch>
+            <a:fillRect/>
+          </a:stretch>
+        </p:blipFill>
+        <p:spPr>
+          <a:xfrm>
+            <a:off x="467544" y="-1179512"/>
+            <a:ext cx="6912768" cy="9469546"/>
+          </a:xfrm>
+        </p:spPr>
+      </p:pic>
+      <p:sp>
+        <p:nvSpPr>
+          <p:cNvPr id="3" name="Título 2"/>
+          <p:cNvSpPr>
+            <a:spLocks noGrp="1"/>
+          </p:cNvSpPr>
+          <p:nvPr>
+            <p:ph type="title"/>
+          </p:nvPr>
+        </p:nvSpPr>
+        <p:spPr>
+          <a:xfrm>
+            <a:off x="457200" y="-214338"/>
+            <a:ext cx="8229600" cy="1143000"/>
+          </a:xfrm>
+        </p:spPr>
         <p:txBody>
           <a:bodyPr/>
           <a:lstStyle/>
           <a:p>
             <a:r>
               <a:rPr lang="pt-BR" dirty="0" smtClean="0"/>
-              <a:t>São </a:t>
-            </a:r>
-            <a:r>
-              <a:rPr lang="pt-BR" dirty="0" smtClean="0"/>
-              <a:t>muito similares pois ambos permitem acesso dentro do pacote</a:t>
-            </a:r>
-          </a:p>
-          <a:p>
-            <a:r>
-              <a:rPr lang="pt-BR" dirty="0" smtClean="0"/>
-              <a:t>O acesso </a:t>
-            </a:r>
-            <a:r>
-              <a:rPr lang="pt-BR" dirty="0" err="1" smtClean="0"/>
-              <a:t>protected</a:t>
-            </a:r>
-            <a:r>
-              <a:rPr lang="pt-BR" dirty="0" smtClean="0"/>
-              <a:t> permite visibilidade além do pacote através de herança</a:t>
-            </a:r>
-          </a:p>
-          <a:p>
-            <a:r>
-              <a:rPr lang="pt-BR" dirty="0" smtClean="0"/>
-              <a:t>O </a:t>
-            </a:r>
-            <a:r>
-              <a:rPr lang="pt-BR" dirty="0" smtClean="0"/>
-              <a:t>acesso </a:t>
-            </a:r>
-            <a:r>
-              <a:rPr lang="pt-BR" dirty="0" err="1" smtClean="0"/>
-              <a:t>protected</a:t>
-            </a:r>
-            <a:r>
-              <a:rPr lang="pt-BR" dirty="0" smtClean="0"/>
-              <a:t> não permite chamada diretas do membro através da superclasse como se fosse </a:t>
-            </a:r>
-            <a:r>
-              <a:rPr lang="pt-BR" dirty="0" err="1" smtClean="0"/>
-              <a:t>public</a:t>
-            </a:r>
-            <a:endParaRPr lang="pt-BR" dirty="0" smtClean="0"/>
-          </a:p>
-        </p:txBody>
-      </p:sp>
-      <p:sp>
-        <p:nvSpPr>
-          <p:cNvPr id="3" name="Título 2"/>
-          <p:cNvSpPr>
-            <a:spLocks noGrp="1"/>
-          </p:cNvSpPr>
-          <p:nvPr>
-            <p:ph type="title"/>
-          </p:nvPr>
-        </p:nvSpPr>
-        <p:spPr/>
-        <p:txBody>
-          <a:bodyPr>
-            <a:normAutofit fontScale="90000"/>
-          </a:bodyPr>
-          <a:lstStyle/>
-          <a:p>
-            <a:r>
-              <a:rPr lang="pt-BR" dirty="0" smtClean="0"/>
-              <a:t>Acesso </a:t>
-            </a:r>
-            <a:r>
-              <a:rPr lang="pt-BR" dirty="0" smtClean="0"/>
-              <a:t>protegido e default para </a:t>
-            </a:r>
-            <a:r>
-              <a:rPr lang="pt-BR" dirty="0" smtClean="0"/>
-              <a:t>membros de classe</a:t>
+              <a:t>Exemplo</a:t>
             </a:r>
             <a:endParaRPr lang="pt-BR" dirty="0"/>
           </a:p>
@@ -15771,6 +15908,13 @@
     <a:masterClrMapping/>
   </p:clrMapOvr>
   <p:transition spd="slow"/>
+  <p:timing>
+    <p:tnLst>
+      <p:par>
+        <p:cTn id="1" dur="indefinite" restart="never" nodeType="tmRoot"/>
+      </p:par>
+    </p:tnLst>
+  </p:timing>
 </p:sld>
 </file>
 
@@ -15860,6 +16004,13 @@
     <a:masterClrMapping/>
   </p:clrMapOvr>
   <p:transition spd="slow"/>
+  <p:timing>
+    <p:tnLst>
+      <p:par>
+        <p:cTn id="1" dur="indefinite" restart="never" nodeType="tmRoot"/>
+      </p:par>
+    </p:tnLst>
+  </p:timing>
 </p:sld>
 </file>
 
@@ -15922,15 +16073,7 @@
           <a:p>
             <a:r>
               <a:rPr lang="pt-BR" dirty="0" smtClean="0"/>
-              <a:t>Resumo </a:t>
-            </a:r>
-            <a:r>
-              <a:rPr lang="pt-BR" dirty="0" smtClean="0"/>
-              <a:t>para Modificadores </a:t>
-            </a:r>
-            <a:r>
-              <a:rPr lang="pt-BR" dirty="0" smtClean="0"/>
-              <a:t>de Acesso</a:t>
+              <a:t>Resumo para Modificadores de Acesso</a:t>
             </a:r>
             <a:endParaRPr lang="pt-BR" dirty="0"/>
           </a:p>
@@ -16040,7 +16183,7 @@
           <a:p>
             <a:r>
               <a:rPr lang="pt-BR" dirty="0" smtClean="0"/>
-              <a:t>Modificadores não referentes a acesso em membros</a:t>
+              <a:t>Modificadores não referentes a acesso em métodos</a:t>
             </a:r>
             <a:endParaRPr lang="pt-BR" dirty="0"/>
           </a:p>
@@ -16141,11 +16284,7 @@
           <a:p>
             <a:r>
               <a:rPr lang="pt-BR" dirty="0" smtClean="0"/>
-              <a:t>Modificador </a:t>
-            </a:r>
-            <a:r>
-              <a:rPr lang="pt-BR" dirty="0" smtClean="0"/>
-              <a:t>final em membros</a:t>
+              <a:t>Modificador final em membros</a:t>
             </a:r>
             <a:endParaRPr lang="pt-BR" dirty="0"/>
           </a:p>
@@ -16254,11 +16393,7 @@
           <a:p>
             <a:r>
               <a:rPr lang="pt-BR" dirty="0" smtClean="0"/>
-              <a:t>Modificador </a:t>
-            </a:r>
-            <a:r>
-              <a:rPr lang="pt-BR" dirty="0" smtClean="0"/>
-              <a:t>final em membros(</a:t>
+              <a:t>Modificador final em membros(</a:t>
             </a:r>
             <a:r>
               <a:rPr lang="pt-BR" dirty="0" err="1" smtClean="0"/>
@@ -16829,11 +16964,7 @@
           <a:p>
             <a:r>
               <a:rPr lang="pt-BR" dirty="0" smtClean="0"/>
-              <a:t>Modificador </a:t>
-            </a:r>
-            <a:r>
-              <a:rPr lang="pt-BR" dirty="0" smtClean="0"/>
-              <a:t>abstract em membros</a:t>
+              <a:t>Modificador abstract em métodos</a:t>
             </a:r>
             <a:endParaRPr lang="pt-BR" dirty="0"/>
           </a:p>
@@ -16971,11 +17102,11 @@
             </a:r>
             <a:r>
               <a:rPr lang="pt-BR" dirty="0" smtClean="0"/>
-              <a:t> em </a:t>
-            </a:r>
-            <a:r>
-              <a:rPr lang="pt-BR" dirty="0" smtClean="0"/>
-              <a:t>membros</a:t>
+              <a:t> </a:t>
+            </a:r>
+            <a:r>
+              <a:rPr lang="pt-BR" smtClean="0"/>
+              <a:t>em métodos</a:t>
             </a:r>
             <a:endParaRPr lang="pt-BR" dirty="0" smtClean="0"/>
           </a:p>
@@ -17075,9 +17206,8 @@
             </a:r>
             <a:r>
               <a:rPr lang="pt-BR" dirty="0" smtClean="0"/>
-              <a:t> em membros</a:t>
-            </a:r>
-            <a:endParaRPr lang="pt-BR" dirty="0" smtClean="0"/>
+              <a:t> em métodos</a:t>
+            </a:r>
           </a:p>
         </p:txBody>
       </p:sp>
@@ -17169,9 +17299,8 @@
             </a:r>
             <a:r>
               <a:rPr lang="pt-BR" dirty="0" smtClean="0"/>
-              <a:t> em membros</a:t>
-            </a:r>
-            <a:endParaRPr lang="pt-BR" dirty="0" smtClean="0"/>
+              <a:t> em métodos</a:t>
+            </a:r>
           </a:p>
         </p:txBody>
       </p:sp>
@@ -20557,6 +20686,13 @@
     <a:masterClrMapping/>
   </p:clrMapOvr>
   <p:transition spd="slow"/>
+  <p:timing>
+    <p:tnLst>
+      <p:par>
+        <p:cTn id="1" dur="indefinite" restart="never" nodeType="tmRoot"/>
+      </p:par>
+    </p:tnLst>
+  </p:timing>
 </p:sld>
 </file>
 
@@ -21637,15 +21773,7 @@
           <a:p>
             <a:r>
               <a:rPr lang="pt-BR" dirty="0" smtClean="0"/>
-              <a:t>Documento </a:t>
-            </a:r>
-            <a:r>
-              <a:rPr lang="pt-BR" dirty="0" smtClean="0"/>
-              <a:t>que reúne boas práticas de </a:t>
-            </a:r>
-            <a:r>
-              <a:rPr lang="pt-BR" dirty="0" smtClean="0"/>
-              <a:t>nomeação</a:t>
+              <a:t>Documento que reúne boas práticas de nomeação</a:t>
             </a:r>
           </a:p>
           <a:p>
@@ -21676,19 +21804,7 @@
           <a:p>
             <a:r>
               <a:rPr lang="pt-BR" dirty="0" smtClean="0"/>
-              <a:t>Definição de convenção </a:t>
-            </a:r>
-            <a:r>
-              <a:rPr lang="pt-BR" dirty="0" smtClean="0"/>
-              <a:t>de </a:t>
-            </a:r>
-            <a:r>
-              <a:rPr lang="pt-BR" dirty="0" smtClean="0"/>
-              <a:t>código </a:t>
-            </a:r>
-            <a:r>
-              <a:rPr lang="pt-BR" dirty="0" smtClean="0"/>
-              <a:t>Java</a:t>
+              <a:t>Definição de convenção de código Java</a:t>
             </a:r>
             <a:endParaRPr lang="pt-BR" dirty="0"/>
           </a:p>
@@ -21700,6 +21816,13 @@
     <a:masterClrMapping/>
   </p:clrMapOvr>
   <p:transition spd="slow"/>
+  <p:timing>
+    <p:tnLst>
+      <p:par>
+        <p:cTn id="1" dur="indefinite" restart="never" nodeType="tmRoot"/>
+      </p:par>
+    </p:tnLst>
+  </p:timing>
 </p:sld>
 </file>
 
@@ -21822,7 +21945,7 @@
     </p:spTree>
     <p:extLst>
       <p:ext uri="{BB962C8B-B14F-4D97-AF65-F5344CB8AC3E}">
-        <p14:creationId xmlns="" xmlns:p14="http://schemas.microsoft.com/office/powerpoint/2010/main" val="177068651"/>
+        <p14:creationId xmlns:p14="http://schemas.microsoft.com/office/powerpoint/2010/main" xmlns="" val="177068651"/>
       </p:ext>
     </p:extLst>
   </p:cSld>
@@ -21886,8 +22009,13 @@
           <a:p>
             <a:r>
               <a:rPr lang="pt-BR" dirty="0" smtClean="0"/>
-              <a:t>Se declarado como membro de classe segue as mesmas regras de membros de classe</a:t>
-            </a:r>
+              <a:t>Se declarado como membro de classe segue as mesmas regras de membros de </a:t>
+            </a:r>
+            <a:r>
+              <a:rPr lang="pt-BR" dirty="0" smtClean="0"/>
+              <a:t>classe estático</a:t>
+            </a:r>
+            <a:endParaRPr lang="pt-BR" dirty="0" smtClean="0"/>
           </a:p>
           <a:p>
             <a:r>
@@ -23059,6 +23187,13 @@
     <a:masterClrMapping/>
   </p:clrMapOvr>
   <p:transition spd="slow"/>
+  <p:timing>
+    <p:tnLst>
+      <p:par>
+        <p:cTn id="1" dur="indefinite" restart="never" nodeType="tmRoot"/>
+      </p:par>
+    </p:tnLst>
+  </p:timing>
 </p:sld>
 </file>
 
@@ -23247,11 +23382,7 @@
           <a:p>
             <a:r>
               <a:rPr lang="pt-BR" dirty="0" smtClean="0"/>
-              <a:t>Primeira </a:t>
-            </a:r>
-            <a:r>
-              <a:rPr lang="pt-BR" dirty="0" smtClean="0"/>
-              <a:t>letra maiúscula</a:t>
+              <a:t>Primeira letra maiúscula</a:t>
             </a:r>
           </a:p>
           <a:p>
@@ -23348,6 +23479,13 @@
     <a:masterClrMapping/>
   </p:clrMapOvr>
   <p:transition spd="slow"/>
+  <p:timing>
+    <p:tnLst>
+      <p:par>
+        <p:cTn id="1" dur="indefinite" restart="never" nodeType="tmRoot"/>
+      </p:par>
+    </p:tnLst>
+  </p:timing>
 </p:sld>
 </file>
 
@@ -23385,11 +23523,7 @@
           <a:p>
             <a:r>
               <a:rPr lang="pt-BR" dirty="0" smtClean="0"/>
-              <a:t>Primeira </a:t>
-            </a:r>
-            <a:r>
-              <a:rPr lang="pt-BR" dirty="0" smtClean="0"/>
-              <a:t>letra minúscula</a:t>
+              <a:t>Primeira letra minúscula</a:t>
             </a:r>
           </a:p>
           <a:p>
@@ -23464,6 +23598,13 @@
     <a:masterClrMapping/>
   </p:clrMapOvr>
   <p:transition spd="slow"/>
+  <p:timing>
+    <p:tnLst>
+      <p:par>
+        <p:cTn id="1" dur="indefinite" restart="never" nodeType="tmRoot"/>
+      </p:par>
+    </p:tnLst>
+  </p:timing>
 </p:sld>
 </file>
 

--- a/slides/8-Declara��es_ControleAcesso.pptx
+++ b/slides/8-Declara��es_ControleAcesso.pptx
@@ -267,7 +267,7 @@
             <a:fld id="{3CDD0DE3-45DB-4C54-87B2-6479F59A40E2}" type="datetimeFigureOut">
               <a:rPr lang="pt-BR" smtClean="0"/>
               <a:pPr/>
-              <a:t>11/02/2012</a:t>
+              <a:t>24/02/2012</a:t>
             </a:fld>
             <a:endParaRPr lang="pt-BR"/>
           </a:p>
@@ -436,7 +436,7 @@
     </p:spTree>
     <p:extLst>
       <p:ext uri="{BB962C8B-B14F-4D97-AF65-F5344CB8AC3E}">
-        <p14:creationId xmlns:p14="http://schemas.microsoft.com/office/powerpoint/2010/main" xmlns="" val="323633875"/>
+        <p14:creationId xmlns:p14="http://schemas.microsoft.com/office/powerpoint/2010/main" val="323633875"/>
       </p:ext>
     </p:extLst>
   </p:cSld>
@@ -6877,7 +6877,7 @@
             <a:fld id="{766E0936-2EAE-45ED-BF76-21D747438BFA}" type="datetimeFigureOut">
               <a:rPr lang="pt-BR" smtClean="0"/>
               <a:pPr/>
-              <a:t>11/02/2012</a:t>
+              <a:t>24/02/2012</a:t>
             </a:fld>
             <a:endParaRPr lang="pt-BR"/>
           </a:p>
@@ -6929,7 +6929,7 @@
     </p:spTree>
     <p:extLst>
       <p:ext uri="{BB962C8B-B14F-4D97-AF65-F5344CB8AC3E}">
-        <p14:creationId xmlns:p14="http://schemas.microsoft.com/office/powerpoint/2010/main" xmlns="" val="3819067513"/>
+        <p14:creationId xmlns:p14="http://schemas.microsoft.com/office/powerpoint/2010/main" val="3819067513"/>
       </p:ext>
     </p:extLst>
   </p:cSld>
@@ -7101,7 +7101,7 @@
             <a:fld id="{766E0936-2EAE-45ED-BF76-21D747438BFA}" type="datetimeFigureOut">
               <a:rPr lang="pt-BR" smtClean="0"/>
               <a:pPr/>
-              <a:t>11/02/2012</a:t>
+              <a:t>24/02/2012</a:t>
             </a:fld>
             <a:endParaRPr lang="pt-BR"/>
           </a:p>
@@ -7153,7 +7153,7 @@
     </p:spTree>
     <p:extLst>
       <p:ext uri="{BB962C8B-B14F-4D97-AF65-F5344CB8AC3E}">
-        <p14:creationId xmlns:p14="http://schemas.microsoft.com/office/powerpoint/2010/main" xmlns="" val="4293683188"/>
+        <p14:creationId xmlns:p14="http://schemas.microsoft.com/office/powerpoint/2010/main" val="4293683188"/>
       </p:ext>
     </p:extLst>
   </p:cSld>
@@ -7335,7 +7335,7 @@
             <a:fld id="{766E0936-2EAE-45ED-BF76-21D747438BFA}" type="datetimeFigureOut">
               <a:rPr lang="pt-BR" smtClean="0"/>
               <a:pPr/>
-              <a:t>11/02/2012</a:t>
+              <a:t>24/02/2012</a:t>
             </a:fld>
             <a:endParaRPr lang="pt-BR"/>
           </a:p>
@@ -7387,7 +7387,7 @@
     </p:spTree>
     <p:extLst>
       <p:ext uri="{BB962C8B-B14F-4D97-AF65-F5344CB8AC3E}">
-        <p14:creationId xmlns:p14="http://schemas.microsoft.com/office/powerpoint/2010/main" xmlns="" val="932540526"/>
+        <p14:creationId xmlns:p14="http://schemas.microsoft.com/office/powerpoint/2010/main" val="932540526"/>
       </p:ext>
     </p:extLst>
   </p:cSld>
@@ -7434,7 +7434,7 @@
           <a:blip r:embed="rId2" cstate="print">
             <a:extLst>
               <a:ext uri="{BEBA8EAE-BF5A-486C-A8C5-ECC9F3942E4B}">
-                <a14:imgProps xmlns:a14="http://schemas.microsoft.com/office/drawing/2010/main" xmlns="">
+                <a14:imgProps xmlns:a14="http://schemas.microsoft.com/office/drawing/2010/main">
                   <a14:imgLayer r:embed="rId3">
                     <a14:imgEffect>
                       <a14:artisticBlur/>
@@ -7443,7 +7443,7 @@
                 </a14:imgProps>
               </a:ext>
               <a:ext uri="{28A0092B-C50C-407E-A947-70E740481C1C}">
-                <a14:useLocalDpi xmlns:a14="http://schemas.microsoft.com/office/drawing/2010/main" xmlns="" val="0"/>
+                <a14:useLocalDpi xmlns:a14="http://schemas.microsoft.com/office/drawing/2010/main" val="0"/>
               </a:ext>
             </a:extLst>
           </a:blip>
@@ -7465,14 +7465,14 @@
           </a:ln>
           <a:extLst>
             <a:ext uri="{909E8E84-426E-40DD-AFC4-6F175D3DCCD1}">
-              <a14:hiddenFill xmlns:a14="http://schemas.microsoft.com/office/drawing/2010/main" xmlns="">
+              <a14:hiddenFill xmlns:a14="http://schemas.microsoft.com/office/drawing/2010/main">
                 <a:solidFill>
                   <a:schemeClr val="accent1"/>
                 </a:solidFill>
               </a14:hiddenFill>
             </a:ext>
             <a:ext uri="{91240B29-F687-4F45-9708-019B960494DF}">
-              <a14:hiddenLine xmlns:a14="http://schemas.microsoft.com/office/drawing/2010/main" xmlns="" w="9525">
+              <a14:hiddenLine xmlns:a14="http://schemas.microsoft.com/office/drawing/2010/main" w="9525">
                 <a:solidFill>
                   <a:schemeClr val="tx1"/>
                 </a:solidFill>
@@ -7482,7 +7482,7 @@
               </a14:hiddenLine>
             </a:ext>
             <a:ext uri="{AF507438-7753-43E0-B8FC-AC1667EBCBE1}">
-              <a14:hiddenEffects xmlns:a14="http://schemas.microsoft.com/office/drawing/2010/main" xmlns="">
+              <a14:hiddenEffects xmlns:a14="http://schemas.microsoft.com/office/drawing/2010/main">
                 <a:effectLst>
                   <a:outerShdw dist="35921" dir="2700000" algn="ctr" rotWithShape="0">
                     <a:schemeClr val="bg2"/>
@@ -7678,7 +7678,7 @@
             <a:fld id="{766E0936-2EAE-45ED-BF76-21D747438BFA}" type="datetimeFigureOut">
               <a:rPr lang="pt-BR" smtClean="0"/>
               <a:pPr/>
-              <a:t>11/02/2012</a:t>
+              <a:t>24/02/2012</a:t>
             </a:fld>
             <a:endParaRPr lang="pt-BR"/>
           </a:p>
@@ -7730,7 +7730,7 @@
     </p:spTree>
     <p:extLst>
       <p:ext uri="{BB962C8B-B14F-4D97-AF65-F5344CB8AC3E}">
-        <p14:creationId xmlns:p14="http://schemas.microsoft.com/office/powerpoint/2010/main" xmlns="" val="1140807732"/>
+        <p14:creationId xmlns:p14="http://schemas.microsoft.com/office/powerpoint/2010/main" val="1140807732"/>
       </p:ext>
     </p:extLst>
   </p:cSld>
@@ -7936,7 +7936,7 @@
             <a:fld id="{766E0936-2EAE-45ED-BF76-21D747438BFA}" type="datetimeFigureOut">
               <a:rPr lang="pt-BR" smtClean="0"/>
               <a:pPr/>
-              <a:t>11/02/2012</a:t>
+              <a:t>24/02/2012</a:t>
             </a:fld>
             <a:endParaRPr lang="pt-BR"/>
           </a:p>
@@ -7988,7 +7988,7 @@
     </p:spTree>
     <p:extLst>
       <p:ext uri="{BB962C8B-B14F-4D97-AF65-F5344CB8AC3E}">
-        <p14:creationId xmlns:p14="http://schemas.microsoft.com/office/powerpoint/2010/main" xmlns="" val="3735907881"/>
+        <p14:creationId xmlns:p14="http://schemas.microsoft.com/office/powerpoint/2010/main" val="3735907881"/>
       </p:ext>
     </p:extLst>
   </p:cSld>
@@ -8282,7 +8282,7 @@
             <a:fld id="{766E0936-2EAE-45ED-BF76-21D747438BFA}" type="datetimeFigureOut">
               <a:rPr lang="pt-BR" smtClean="0"/>
               <a:pPr/>
-              <a:t>11/02/2012</a:t>
+              <a:t>24/02/2012</a:t>
             </a:fld>
             <a:endParaRPr lang="pt-BR"/>
           </a:p>
@@ -8334,7 +8334,7 @@
     </p:spTree>
     <p:extLst>
       <p:ext uri="{BB962C8B-B14F-4D97-AF65-F5344CB8AC3E}">
-        <p14:creationId xmlns:p14="http://schemas.microsoft.com/office/powerpoint/2010/main" xmlns="" val="2820318444"/>
+        <p14:creationId xmlns:p14="http://schemas.microsoft.com/office/powerpoint/2010/main" val="2820318444"/>
       </p:ext>
     </p:extLst>
   </p:cSld>
@@ -8766,7 +8766,7 @@
             <a:fld id="{766E0936-2EAE-45ED-BF76-21D747438BFA}" type="datetimeFigureOut">
               <a:rPr lang="pt-BR" smtClean="0"/>
               <a:pPr/>
-              <a:t>11/02/2012</a:t>
+              <a:t>24/02/2012</a:t>
             </a:fld>
             <a:endParaRPr lang="pt-BR"/>
           </a:p>
@@ -8818,7 +8818,7 @@
     </p:spTree>
     <p:extLst>
       <p:ext uri="{BB962C8B-B14F-4D97-AF65-F5344CB8AC3E}">
-        <p14:creationId xmlns:p14="http://schemas.microsoft.com/office/powerpoint/2010/main" xmlns="" val="566552069"/>
+        <p14:creationId xmlns:p14="http://schemas.microsoft.com/office/powerpoint/2010/main" val="566552069"/>
       </p:ext>
     </p:extLst>
   </p:cSld>
@@ -8902,7 +8902,7 @@
             <a:fld id="{766E0936-2EAE-45ED-BF76-21D747438BFA}" type="datetimeFigureOut">
               <a:rPr lang="pt-BR" smtClean="0"/>
               <a:pPr/>
-              <a:t>11/02/2012</a:t>
+              <a:t>24/02/2012</a:t>
             </a:fld>
             <a:endParaRPr lang="pt-BR"/>
           </a:p>
@@ -8954,7 +8954,7 @@
     </p:spTree>
     <p:extLst>
       <p:ext uri="{BB962C8B-B14F-4D97-AF65-F5344CB8AC3E}">
-        <p14:creationId xmlns:p14="http://schemas.microsoft.com/office/powerpoint/2010/main" xmlns="" val="1358390184"/>
+        <p14:creationId xmlns:p14="http://schemas.microsoft.com/office/powerpoint/2010/main" val="1358390184"/>
       </p:ext>
     </p:extLst>
   </p:cSld>
@@ -9007,7 +9007,7 @@
             <a:fld id="{766E0936-2EAE-45ED-BF76-21D747438BFA}" type="datetimeFigureOut">
               <a:rPr lang="pt-BR" smtClean="0"/>
               <a:pPr/>
-              <a:t>11/02/2012</a:t>
+              <a:t>24/02/2012</a:t>
             </a:fld>
             <a:endParaRPr lang="pt-BR"/>
           </a:p>
@@ -9059,7 +9059,7 @@
     </p:spTree>
     <p:extLst>
       <p:ext uri="{BB962C8B-B14F-4D97-AF65-F5344CB8AC3E}">
-        <p14:creationId xmlns:p14="http://schemas.microsoft.com/office/powerpoint/2010/main" xmlns="" val="3705262111"/>
+        <p14:creationId xmlns:p14="http://schemas.microsoft.com/office/powerpoint/2010/main" val="3705262111"/>
       </p:ext>
     </p:extLst>
   </p:cSld>
@@ -9322,7 +9322,7 @@
             <a:fld id="{766E0936-2EAE-45ED-BF76-21D747438BFA}" type="datetimeFigureOut">
               <a:rPr lang="pt-BR" smtClean="0"/>
               <a:pPr/>
-              <a:t>11/02/2012</a:t>
+              <a:t>24/02/2012</a:t>
             </a:fld>
             <a:endParaRPr lang="pt-BR"/>
           </a:p>
@@ -9374,7 +9374,7 @@
     </p:spTree>
     <p:extLst>
       <p:ext uri="{BB962C8B-B14F-4D97-AF65-F5344CB8AC3E}">
-        <p14:creationId xmlns:p14="http://schemas.microsoft.com/office/powerpoint/2010/main" xmlns="" val="2189634051"/>
+        <p14:creationId xmlns:p14="http://schemas.microsoft.com/office/powerpoint/2010/main" val="2189634051"/>
       </p:ext>
     </p:extLst>
   </p:cSld>
@@ -9597,7 +9597,7 @@
             <a:fld id="{766E0936-2EAE-45ED-BF76-21D747438BFA}" type="datetimeFigureOut">
               <a:rPr lang="pt-BR" smtClean="0"/>
               <a:pPr/>
-              <a:t>11/02/2012</a:t>
+              <a:t>24/02/2012</a:t>
             </a:fld>
             <a:endParaRPr lang="pt-BR"/>
           </a:p>
@@ -9649,7 +9649,7 @@
     </p:spTree>
     <p:extLst>
       <p:ext uri="{BB962C8B-B14F-4D97-AF65-F5344CB8AC3E}">
-        <p14:creationId xmlns:p14="http://schemas.microsoft.com/office/powerpoint/2010/main" xmlns="" val="3848481695"/>
+        <p14:creationId xmlns:p14="http://schemas.microsoft.com/office/powerpoint/2010/main" val="3848481695"/>
       </p:ext>
     </p:extLst>
   </p:cSld>
@@ -9813,7 +9813,7 @@
             <a:fld id="{766E0936-2EAE-45ED-BF76-21D747438BFA}" type="datetimeFigureOut">
               <a:rPr lang="pt-BR" smtClean="0"/>
               <a:pPr/>
-              <a:t>11/02/2012</a:t>
+              <a:t>24/02/2012</a:t>
             </a:fld>
             <a:endParaRPr lang="pt-BR"/>
           </a:p>
@@ -9927,7 +9927,7 @@
     </p:spTree>
     <p:extLst>
       <p:ext uri="{BB962C8B-B14F-4D97-AF65-F5344CB8AC3E}">
-        <p14:creationId xmlns:p14="http://schemas.microsoft.com/office/powerpoint/2010/main" xmlns="" val="2257276274"/>
+        <p14:creationId xmlns:p14="http://schemas.microsoft.com/office/powerpoint/2010/main" val="2257276274"/>
       </p:ext>
     </p:extLst>
   </p:cSld>
@@ -10235,7 +10235,7 @@
           <a:blip r:embed="rId3" cstate="print">
             <a:extLst>
               <a:ext uri="{28A0092B-C50C-407E-A947-70E740481C1C}">
-                <a14:useLocalDpi xmlns:a14="http://schemas.microsoft.com/office/drawing/2010/main" xmlns="" val="0"/>
+                <a14:useLocalDpi xmlns:a14="http://schemas.microsoft.com/office/drawing/2010/main" val="0"/>
               </a:ext>
             </a:extLst>
           </a:blip>
@@ -10259,14 +10259,14 @@
           <a:effectLst/>
           <a:extLst>
             <a:ext uri="{909E8E84-426E-40DD-AFC4-6F175D3DCCD1}">
-              <a14:hiddenFill xmlns:a14="http://schemas.microsoft.com/office/drawing/2010/main" xmlns="">
+              <a14:hiddenFill xmlns:a14="http://schemas.microsoft.com/office/drawing/2010/main">
                 <a:solidFill>
                   <a:schemeClr val="accent1"/>
                 </a:solidFill>
               </a14:hiddenFill>
             </a:ext>
             <a:ext uri="{91240B29-F687-4F45-9708-019B960494DF}">
-              <a14:hiddenLine xmlns:a14="http://schemas.microsoft.com/office/drawing/2010/main" xmlns="" w="9525">
+              <a14:hiddenLine xmlns:a14="http://schemas.microsoft.com/office/drawing/2010/main" w="9525">
                 <a:solidFill>
                   <a:schemeClr val="tx1"/>
                 </a:solidFill>
@@ -10276,7 +10276,7 @@
               </a14:hiddenLine>
             </a:ext>
             <a:ext uri="{AF507438-7753-43E0-B8FC-AC1667EBCBE1}">
-              <a14:hiddenEffects xmlns:a14="http://schemas.microsoft.com/office/drawing/2010/main" xmlns="">
+              <a14:hiddenEffects xmlns:a14="http://schemas.microsoft.com/office/drawing/2010/main">
                 <a:effectLst>
                   <a:outerShdw dist="35921" dir="2700000" algn="ctr" rotWithShape="0">
                     <a:schemeClr val="bg2"/>
@@ -10359,7 +10359,7 @@
     </p:spTree>
     <p:extLst>
       <p:ext uri="{BB962C8B-B14F-4D97-AF65-F5344CB8AC3E}">
-        <p14:creationId xmlns:p14="http://schemas.microsoft.com/office/powerpoint/2010/main" xmlns="" val="3499982093"/>
+        <p14:creationId xmlns:p14="http://schemas.microsoft.com/office/powerpoint/2010/main" val="3499982093"/>
       </p:ext>
     </p:extLst>
   </p:cSld>
@@ -15816,7 +15816,7 @@
     </p:spTree>
     <p:extLst>
       <p:ext uri="{BB962C8B-B14F-4D97-AF65-F5344CB8AC3E}">
-        <p14:creationId xmlns:p14="http://schemas.microsoft.com/office/powerpoint/2010/main" xmlns="" val="953164441"/>
+        <p14:creationId xmlns:p14="http://schemas.microsoft.com/office/powerpoint/2010/main" val="953164441"/>
       </p:ext>
     </p:extLst>
   </p:cSld>
@@ -18536,7 +18536,7 @@
                 <a:ea typeface="Calibri"/>
                 <a:cs typeface="Consolas" pitchFamily="49" charset="0"/>
               </a:rPr>
-              <a:t> myMethod2(</a:t>
+              <a:t> myMethod2(char tipo, </a:t>
             </a:r>
             <a:r>
               <a:rPr lang="pt-BR" sz="1600" dirty="0" err="1" smtClean="0">
@@ -18544,7 +18544,7 @@
                 <a:ea typeface="Calibri"/>
                 <a:cs typeface="Consolas" pitchFamily="49" charset="0"/>
               </a:rPr>
-              <a:t>char</a:t>
+              <a:t>double</a:t>
             </a:r>
             <a:r>
               <a:rPr lang="pt-BR" sz="1600" dirty="0" smtClean="0">
@@ -18552,23 +18552,7 @@
                 <a:ea typeface="Calibri"/>
                 <a:cs typeface="Consolas" pitchFamily="49" charset="0"/>
               </a:rPr>
-              <a:t> tipo, </a:t>
-            </a:r>
-            <a:r>
-              <a:rPr lang="pt-BR" sz="1600" dirty="0" err="1" smtClean="0">
-                <a:latin typeface="Consolas" pitchFamily="49" charset="0"/>
-                <a:ea typeface="Calibri"/>
-                <a:cs typeface="Consolas" pitchFamily="49" charset="0"/>
-              </a:rPr>
-              <a:t>double</a:t>
-            </a:r>
-            <a:r>
-              <a:rPr lang="pt-BR" sz="1600" dirty="0" smtClean="0">
-                <a:latin typeface="Consolas" pitchFamily="49" charset="0"/>
-                <a:ea typeface="Calibri"/>
-                <a:cs typeface="Consolas" pitchFamily="49" charset="0"/>
-              </a:rPr>
-              <a:t>... Valores, int... t){}</a:t>
+              <a:t>... valores, int... t){}</a:t>
             </a:r>
           </a:p>
           <a:p>
@@ -18994,6 +18978,13 @@
     <a:masterClrMapping/>
   </p:clrMapOvr>
   <p:transition spd="slow"/>
+  <p:timing>
+    <p:tnLst>
+      <p:par>
+        <p:cTn id="1" dur="indefinite" restart="never" nodeType="tmRoot"/>
+      </p:par>
+    </p:tnLst>
+  </p:timing>
 </p:sld>
 </file>
 
@@ -19112,6 +19103,13 @@
     <a:masterClrMapping/>
   </p:clrMapOvr>
   <p:transition spd="slow"/>
+  <p:timing>
+    <p:tnLst>
+      <p:par>
+        <p:cTn id="1" dur="indefinite" restart="never" nodeType="tmRoot"/>
+      </p:par>
+    </p:tnLst>
+  </p:timing>
 </p:sld>
 </file>
 
@@ -19184,6 +19182,13 @@
     <a:masterClrMapping/>
   </p:clrMapOvr>
   <p:transition spd="slow"/>
+  <p:timing>
+    <p:tnLst>
+      <p:par>
+        <p:cTn id="1" dur="indefinite" restart="never" nodeType="tmRoot"/>
+      </p:par>
+    </p:tnLst>
+  </p:timing>
 </p:sld>
 </file>
 
@@ -19308,6 +19313,13 @@
     <a:masterClrMapping/>
   </p:clrMapOvr>
   <p:transition spd="slow"/>
+  <p:timing>
+    <p:tnLst>
+      <p:par>
+        <p:cTn id="1" dur="indefinite" restart="never" nodeType="tmRoot"/>
+      </p:par>
+    </p:tnLst>
+  </p:timing>
 </p:sld>
 </file>
 
@@ -19979,7 +19991,7 @@
     </p:spTree>
     <p:extLst>
       <p:ext uri="{BB962C8B-B14F-4D97-AF65-F5344CB8AC3E}">
-        <p14:creationId xmlns:p14="http://schemas.microsoft.com/office/powerpoint/2010/main" xmlns="" val="1907673848"/>
+        <p14:creationId xmlns:p14="http://schemas.microsoft.com/office/powerpoint/2010/main" val="1907673848"/>
       </p:ext>
     </p:extLst>
   </p:cSld>
@@ -20089,6 +20101,13 @@
     <a:masterClrMapping/>
   </p:clrMapOvr>
   <p:transition spd="slow"/>
+  <p:timing>
+    <p:tnLst>
+      <p:par>
+        <p:cTn id="1" dur="indefinite" restart="never" nodeType="tmRoot"/>
+      </p:par>
+    </p:tnLst>
+  </p:timing>
 </p:sld>
 </file>
 
@@ -20182,6 +20201,13 @@
     <a:masterClrMapping/>
   </p:clrMapOvr>
   <p:transition spd="slow"/>
+  <p:timing>
+    <p:tnLst>
+      <p:par>
+        <p:cTn id="1" dur="indefinite" restart="never" nodeType="tmRoot"/>
+      </p:par>
+    </p:tnLst>
+  </p:timing>
 </p:sld>
 </file>
 
@@ -20326,6 +20352,13 @@
     <a:masterClrMapping/>
   </p:clrMapOvr>
   <p:transition spd="slow"/>
+  <p:timing>
+    <p:tnLst>
+      <p:par>
+        <p:cTn id="1" dur="indefinite" restart="never" nodeType="tmRoot"/>
+      </p:par>
+    </p:tnLst>
+  </p:timing>
 </p:sld>
 </file>
 
@@ -20511,6 +20544,13 @@
     <a:masterClrMapping/>
   </p:clrMapOvr>
   <p:transition spd="slow"/>
+  <p:timing>
+    <p:tnLst>
+      <p:par>
+        <p:cTn id="1" dur="indefinite" restart="never" nodeType="tmRoot"/>
+      </p:par>
+    </p:tnLst>
+  </p:timing>
 </p:sld>
 </file>
 
@@ -20612,6 +20652,13 @@
     <a:masterClrMapping/>
   </p:clrMapOvr>
   <p:transition spd="slow"/>
+  <p:timing>
+    <p:tnLst>
+      <p:par>
+        <p:cTn id="1" dur="indefinite" restart="never" nodeType="tmRoot"/>
+      </p:par>
+    </p:tnLst>
+  </p:timing>
 </p:sld>
 </file>
 
@@ -20932,7 +20979,7 @@
             </a:r>
             <a:r>
               <a:rPr lang="pt-BR" dirty="0" smtClean="0"/>
-              <a:t>, foi criada uma novo tipo chamado de </a:t>
+              <a:t>, foi criada um novo tipo chamado de </a:t>
             </a:r>
             <a:r>
               <a:rPr lang="pt-BR" dirty="0" err="1" smtClean="0"/>
@@ -21945,7 +21992,7 @@
     </p:spTree>
     <p:extLst>
       <p:ext uri="{BB962C8B-B14F-4D97-AF65-F5344CB8AC3E}">
-        <p14:creationId xmlns:p14="http://schemas.microsoft.com/office/powerpoint/2010/main" xmlns="" val="177068651"/>
+        <p14:creationId xmlns:p14="http://schemas.microsoft.com/office/powerpoint/2010/main" val="177068651"/>
       </p:ext>
     </p:extLst>
   </p:cSld>
@@ -22009,13 +22056,8 @@
           <a:p>
             <a:r>
               <a:rPr lang="pt-BR" dirty="0" smtClean="0"/>
-              <a:t>Se declarado como membro de classe segue as mesmas regras de membros de </a:t>
-            </a:r>
-            <a:r>
-              <a:rPr lang="pt-BR" dirty="0" smtClean="0"/>
-              <a:t>classe estático</a:t>
-            </a:r>
-            <a:endParaRPr lang="pt-BR" dirty="0" smtClean="0"/>
+              <a:t>Se declarado como membro de classe segue as mesmas regras de membros de classe estático</a:t>
+            </a:r>
           </a:p>
           <a:p>
             <a:r>
@@ -23122,7 +23164,7 @@
               <a:t>		</a:t>
             </a:r>
             <a:r>
-              <a:rPr lang="en-US" sz="1600" dirty="0" err="1" smtClean="0">
+              <a:rPr lang="en-US" sz="1600" dirty="0" err="1">
                 <a:latin typeface="Consolas" pitchFamily="49" charset="0"/>
                 <a:ea typeface="Calibri"/>
                 <a:cs typeface="Consolas" pitchFamily="49" charset="0"/>
@@ -23130,13 +23172,34 @@
               <a:t>System.out.println</a:t>
             </a:r>
             <a:r>
-              <a:rPr lang="en-US" sz="1600" dirty="0" smtClean="0">
-                <a:latin typeface="Consolas" pitchFamily="49" charset="0"/>
-                <a:ea typeface="Calibri"/>
-                <a:cs typeface="Consolas" pitchFamily="49" charset="0"/>
-              </a:rPr>
-              <a:t>(s);</a:t>
-            </a:r>
+              <a:rPr lang="en-US" sz="1600" dirty="0">
+                <a:latin typeface="Consolas" pitchFamily="49" charset="0"/>
+                <a:ea typeface="Calibri"/>
+                <a:cs typeface="Consolas" pitchFamily="49" charset="0"/>
+              </a:rPr>
+              <a:t>(</a:t>
+            </a:r>
+            <a:r>
+              <a:rPr lang="en-US" sz="1600" dirty="0" err="1">
+                <a:latin typeface="Consolas" pitchFamily="49" charset="0"/>
+                <a:ea typeface="Calibri"/>
+                <a:cs typeface="Consolas" pitchFamily="49" charset="0"/>
+              </a:rPr>
+              <a:t>s.VERDE</a:t>
+            </a:r>
+            <a:r>
+              <a:rPr lang="en-US" sz="1600" dirty="0">
+                <a:latin typeface="Consolas" pitchFamily="49" charset="0"/>
+                <a:ea typeface="Calibri"/>
+                <a:cs typeface="Consolas" pitchFamily="49" charset="0"/>
+              </a:rPr>
+              <a:t>);</a:t>
+            </a:r>
+            <a:endParaRPr lang="en-US" sz="1600" dirty="0" smtClean="0">
+              <a:latin typeface="Consolas" pitchFamily="49" charset="0"/>
+              <a:ea typeface="Calibri"/>
+              <a:cs typeface="Consolas" pitchFamily="49" charset="0"/>
+            </a:endParaRPr>
           </a:p>
           <a:p>
             <a:pPr>
@@ -23227,7 +23290,7 @@
         <p:spPr/>
         <p:txBody>
           <a:bodyPr>
-            <a:normAutofit fontScale="85000" lnSpcReduction="20000"/>
+            <a:normAutofit fontScale="77500" lnSpcReduction="20000"/>
           </a:bodyPr>
           <a:lstStyle/>
           <a:p>
@@ -23241,7 +23304,15 @@
             </a:r>
             <a:r>
               <a:rPr lang="pt-BR" dirty="0" smtClean="0"/>
-              <a:t> simples para os dias da semana</a:t>
+              <a:t> simples dentro de uma classe </a:t>
+            </a:r>
+            <a:r>
+              <a:rPr lang="pt-BR" dirty="0" err="1" smtClean="0"/>
+              <a:t>Calendario</a:t>
+            </a:r>
+            <a:r>
+              <a:rPr lang="pt-BR" dirty="0" smtClean="0"/>
+              <a:t> para os dias da semana</a:t>
             </a:r>
           </a:p>
           <a:p>
@@ -23261,7 +23332,15 @@
             </a:r>
             <a:r>
               <a:rPr lang="pt-BR" dirty="0" smtClean="0"/>
-              <a:t> para receber  uma string com o nome por extenso</a:t>
+              <a:t> para receber  uma </a:t>
+            </a:r>
+            <a:r>
+              <a:rPr lang="pt-BR" dirty="0" err="1" smtClean="0"/>
+              <a:t>string</a:t>
+            </a:r>
+            <a:r>
+              <a:rPr lang="pt-BR" dirty="0" smtClean="0"/>
+              <a:t> como variável de instancia com o nome por extenso, através do construtor</a:t>
             </a:r>
           </a:p>
           <a:p>
@@ -23270,7 +23349,23 @@
           <a:p>
             <a:r>
               <a:rPr lang="pt-BR" dirty="0" smtClean="0"/>
-              <a:t>Exercício 3: Criar um classe que itere por todos os valores do </a:t>
+              <a:t>Exercício 3: Criar um método </a:t>
+            </a:r>
+            <a:r>
+              <a:rPr lang="pt-BR" dirty="0" err="1" smtClean="0"/>
+              <a:t>main</a:t>
+            </a:r>
+            <a:r>
+              <a:rPr lang="pt-BR" dirty="0" smtClean="0"/>
+              <a:t> que itere por todos os valores </a:t>
+            </a:r>
+            <a:r>
+              <a:rPr lang="pt-BR" dirty="0" err="1" smtClean="0"/>
+              <a:t>string</a:t>
+            </a:r>
+            <a:r>
+              <a:rPr lang="pt-BR" dirty="0" smtClean="0"/>
+              <a:t> do </a:t>
             </a:r>
             <a:r>
               <a:rPr lang="pt-BR" dirty="0" err="1" smtClean="0"/>
@@ -23292,7 +23387,27 @@
             </a:r>
             <a:r>
               <a:rPr lang="pt-BR" dirty="0" smtClean="0"/>
-              <a:t> criado dentro de uma classe  e repetir o </a:t>
+              <a:t> criado dentro de uma </a:t>
+            </a:r>
+            <a:r>
+              <a:rPr lang="pt-BR" dirty="0" err="1" smtClean="0"/>
+              <a:t>outr</a:t>
+            </a:r>
+            <a:r>
+              <a:rPr lang="pt-BR" dirty="0" smtClean="0"/>
+              <a:t> classe </a:t>
+            </a:r>
+            <a:r>
+              <a:rPr lang="pt-BR" dirty="0" err="1" smtClean="0"/>
+              <a:t>CalendarioNovo</a:t>
+            </a:r>
+            <a:r>
+              <a:rPr lang="pt-BR" smtClean="0"/>
+              <a:t> e </a:t>
+            </a:r>
+            <a:r>
+              <a:rPr lang="pt-BR" dirty="0" smtClean="0"/>
+              <a:t>repetir o </a:t>
             </a:r>
             <a:r>
               <a:rPr lang="pt-BR" dirty="0" err="1" smtClean="0"/>
